--- a/Documentação/Alucar_TheLastDance.pptx
+++ b/Documentação/Alucar_TheLastDance.pptx
@@ -1990,7 +1990,7 @@
             </a:pPr>
             <a:fld id="{00000000-1234-1234-1234-123412341234}" type="slidenum">
               <a:rPr lang="en"/>
-              <a:t>‹#›</a:t>
+              <a:t>‹nº›</a:t>
             </a:fld>
             <a:endParaRPr/>
           </a:p>
@@ -2660,7 +2660,7 @@
             </a:pPr>
             <a:fld id="{00000000-1234-1234-1234-123412341234}" type="slidenum">
               <a:rPr lang="en"/>
-              <a:t>‹#›</a:t>
+              <a:t>‹nº›</a:t>
             </a:fld>
             <a:endParaRPr/>
           </a:p>
@@ -12545,14 +12545,11 @@
               <a:buChar char="◉"/>
             </a:pPr>
             <a:r>
-              <a:rPr lang="pt-BR" sz="2400" dirty="0" err="1">
+              <a:rPr lang="pt-BR" sz="2400" dirty="0">
                 <a:latin typeface="Quattrocento Sans" panose="020B0502050000020003" pitchFamily="34" charset="0"/>
               </a:rPr>
-              <a:t>Gameficação</a:t>
+              <a:t>Gamificação</a:t>
             </a:r>
-            <a:endParaRPr lang="pt-BR" sz="2400" dirty="0">
-              <a:latin typeface="Quattrocento Sans" panose="020B0502050000020003" pitchFamily="34" charset="0"/>
-            </a:endParaRPr>
           </a:p>
           <a:p>
             <a:pPr>
@@ -14299,13 +14296,18 @@
               <a:buSzPts val="1800"/>
             </a:pPr>
             <a:r>
-              <a:rPr lang="pt-BR" sz="1400" b="1" dirty="0">
+              <a:rPr lang="pt-BR" sz="1400" b="1" dirty="0" err="1">
                 <a:highlight>
                   <a:srgbClr val="FF0000"/>
                 </a:highlight>
               </a:rPr>
-              <a:t>Lucas</a:t>
+              <a:t>Lucassilpinto</a:t>
             </a:r>
+            <a:endParaRPr lang="pt-BR" sz="1400" b="1" dirty="0">
+              <a:highlight>
+                <a:srgbClr val="FF0000"/>
+              </a:highlight>
+            </a:endParaRPr>
           </a:p>
           <a:p>
             <a:pPr lvl="1" indent="-342900">
